--- a/8-msa/1. MSA 및 이벤트 기반 통합 구현.pptx
+++ b/8-msa/1. MSA 및 이벤트 기반 통합 구현.pptx
@@ -6198,15 +6198,7 @@
             </a:r>
             <a:r>
               <a:rPr lang="ko-KR" altLang="en-US" dirty="0" smtClean="0"/>
-              <a:t>공유 차량</a:t>
-            </a:r>
-            <a:r>
-              <a:rPr lang="ko-KR" altLang="en-US" dirty="0" smtClean="0"/>
-              <a:t> </a:t>
-            </a:r>
-            <a:r>
-              <a:rPr lang="ko-KR" altLang="en-US" dirty="0" smtClean="0"/>
-              <a:t>예약</a:t>
+              <a:t>공유 차량 예약</a:t>
             </a:r>
             <a:endParaRPr lang="en-US" altLang="ko-KR" dirty="0" smtClean="0"/>
           </a:p>
@@ -6310,15 +6302,7 @@
             </a:r>
             <a:r>
               <a:rPr lang="ko-KR" altLang="en-US" dirty="0" smtClean="0"/>
-              <a:t>또는 이벤트를 지속적으로 </a:t>
-            </a:r>
-            <a:r>
-              <a:rPr lang="ko-KR" altLang="en-US" dirty="0" smtClean="0"/>
-              <a:t>수집하여 처리</a:t>
-            </a:r>
-            <a:r>
-              <a:rPr lang="ko-KR" altLang="en-US" dirty="0" smtClean="0"/>
-              <a:t>한다는 의미로 이벤트 </a:t>
+              <a:t>또는 이벤트를 지속적으로 수집하여 처리한다는 의미로 이벤트 </a:t>
             </a:r>
             <a:r>
               <a:rPr lang="ko-KR" altLang="en-US" dirty="0" err="1" smtClean="0"/>
@@ -6326,11 +6310,7 @@
             </a:r>
             <a:r>
               <a:rPr lang="en-US" altLang="ko-KR" dirty="0" smtClean="0"/>
-              <a:t>(</a:t>
-            </a:r>
-            <a:r>
-              <a:rPr lang="en-US" altLang="ko-KR" dirty="0" smtClean="0"/>
-              <a:t>sourcing)</a:t>
+              <a:t>(sourcing)</a:t>
             </a:r>
             <a:r>
               <a:rPr lang="ko-KR" altLang="en-US" dirty="0" smtClean="0"/>
@@ -6722,11 +6702,7 @@
           <a:p>
             <a:r>
               <a:rPr lang="en-US" altLang="ko-KR" dirty="0" smtClean="0"/>
-              <a:t>. </a:t>
-            </a:r>
-            <a:r>
-              <a:rPr lang="en-US" altLang="ko-KR" dirty="0" smtClean="0"/>
-              <a:t>Consumer</a:t>
+              <a:t>. Consumer</a:t>
             </a:r>
             <a:r>
               <a:rPr lang="en-US" altLang="ko-KR" dirty="0"/>
@@ -6819,11 +6795,7 @@
           <a:p>
             <a:r>
               <a:rPr lang="en-US" altLang="ko-KR" dirty="0" smtClean="0"/>
-              <a:t>. </a:t>
-            </a:r>
-            <a:r>
-              <a:rPr lang="en-US" altLang="ko-KR" dirty="0" smtClean="0"/>
-              <a:t>listening</a:t>
+              <a:t>. listening</a:t>
             </a:r>
             <a:r>
               <a:rPr lang="en-US" altLang="ko-KR" dirty="0"/>

--- a/8-msa/1. MSA 및 이벤트 기반 통합 구현.pptx
+++ b/8-msa/1. MSA 및 이벤트 기반 통합 구현.pptx
@@ -221,7 +221,7 @@
             <a:fld id="{C63D4B3F-62D6-4502-A0B4-B5C1A60965D1}" type="datetimeFigureOut">
               <a:rPr lang="ko-KR" altLang="en-US" smtClean="0"/>
               <a:pPr/>
-              <a:t>2021-10-07</a:t>
+              <a:t>2021-10-12</a:t>
             </a:fld>
             <a:endParaRPr lang="ko-KR" altLang="en-US"/>
           </a:p>
@@ -487,6 +487,91 @@
 </file>
 
 <file path=ppt/notesSlides/notesSlide1.xml><?xml version="1.0" encoding="utf-8"?>
+<p:notes xmlns:a="http://schemas.openxmlformats.org/drawingml/2006/main" xmlns:r="http://schemas.openxmlformats.org/officeDocument/2006/relationships" xmlns:p="http://schemas.openxmlformats.org/presentationml/2006/main">
+  <p:cSld>
+    <p:spTree>
+      <p:nvGrpSpPr>
+        <p:cNvPr id="1" name=""/>
+        <p:cNvGrpSpPr/>
+        <p:nvPr/>
+      </p:nvGrpSpPr>
+      <p:grpSpPr>
+        <a:xfrm>
+          <a:off x="0" y="0"/>
+          <a:ext cx="0" cy="0"/>
+          <a:chOff x="0" y="0"/>
+          <a:chExt cx="0" cy="0"/>
+        </a:xfrm>
+      </p:grpSpPr>
+      <p:sp>
+        <p:nvSpPr>
+          <p:cNvPr id="2" name="슬라이드 이미지 개체 틀 1"/>
+          <p:cNvSpPr>
+            <a:spLocks noGrp="1" noRot="1" noChangeAspect="1"/>
+          </p:cNvSpPr>
+          <p:nvPr>
+            <p:ph type="sldImg"/>
+          </p:nvPr>
+        </p:nvSpPr>
+        <p:spPr/>
+      </p:sp>
+      <p:sp>
+        <p:nvSpPr>
+          <p:cNvPr id="3" name="슬라이드 노트 개체 틀 2"/>
+          <p:cNvSpPr>
+            <a:spLocks noGrp="1"/>
+          </p:cNvSpPr>
+          <p:nvPr>
+            <p:ph type="body" idx="1"/>
+          </p:nvPr>
+        </p:nvSpPr>
+        <p:spPr/>
+        <p:txBody>
+          <a:bodyPr/>
+          <a:lstStyle/>
+          <a:p>
+            <a:endParaRPr lang="ko-KR" altLang="en-US" dirty="0"/>
+          </a:p>
+        </p:txBody>
+      </p:sp>
+      <p:sp>
+        <p:nvSpPr>
+          <p:cNvPr id="4" name="슬라이드 번호 개체 틀 3"/>
+          <p:cNvSpPr>
+            <a:spLocks noGrp="1"/>
+          </p:cNvSpPr>
+          <p:nvPr>
+            <p:ph type="sldNum" sz="quarter" idx="10"/>
+          </p:nvPr>
+        </p:nvSpPr>
+        <p:spPr/>
+        <p:txBody>
+          <a:bodyPr/>
+          <a:lstStyle/>
+          <a:p>
+            <a:fld id="{05EC1E75-9109-4EAB-9B42-9CA04E92F86C}" type="slidenum">
+              <a:rPr lang="ko-KR" altLang="en-US" smtClean="0"/>
+              <a:pPr/>
+              <a:t>3</a:t>
+            </a:fld>
+            <a:endParaRPr lang="ko-KR" altLang="en-US"/>
+          </a:p>
+        </p:txBody>
+      </p:sp>
+    </p:spTree>
+    <p:extLst>
+      <p:ext uri="{BB962C8B-B14F-4D97-AF65-F5344CB8AC3E}">
+        <p14:creationId xmlns:p14="http://schemas.microsoft.com/office/powerpoint/2010/main" val="616878633"/>
+      </p:ext>
+    </p:extLst>
+  </p:cSld>
+  <p:clrMapOvr>
+    <a:masterClrMapping/>
+  </p:clrMapOvr>
+</p:notes>
+</file>
+
+<file path=ppt/notesSlides/notesSlide2.xml><?xml version="1.0" encoding="utf-8"?>
 <p:notes xmlns:a="http://schemas.openxmlformats.org/drawingml/2006/main" xmlns:r="http://schemas.openxmlformats.org/officeDocument/2006/relationships" xmlns:p="http://schemas.openxmlformats.org/presentationml/2006/main" showMasterSp="0" showMasterPhAnim="0">
   <p:cSld>
     <p:spTree>
@@ -590,7 +675,7 @@
 </p:notes>
 </file>
 
-<file path=ppt/notesSlides/notesSlide2.xml><?xml version="1.0" encoding="utf-8"?>
+<file path=ppt/notesSlides/notesSlide3.xml><?xml version="1.0" encoding="utf-8"?>
 <p:notes xmlns:a="http://schemas.openxmlformats.org/drawingml/2006/main" xmlns:r="http://schemas.openxmlformats.org/officeDocument/2006/relationships" xmlns:p="http://schemas.openxmlformats.org/presentationml/2006/main" showMasterSp="0" showMasterPhAnim="0">
   <p:cSld>
     <p:spTree>
@@ -874,7 +959,7 @@
             <a:fld id="{7E0C1F19-02E5-426B-9835-3F89C5E12A32}" type="datetimeFigureOut">
               <a:rPr lang="ko-KR" altLang="en-US" smtClean="0"/>
               <a:pPr/>
-              <a:t>2021-10-07</a:t>
+              <a:t>2021-10-12</a:t>
             </a:fld>
             <a:endParaRPr lang="ko-KR" altLang="en-US"/>
           </a:p>
@@ -1039,7 +1124,7 @@
             <a:fld id="{7E0C1F19-02E5-426B-9835-3F89C5E12A32}" type="datetimeFigureOut">
               <a:rPr lang="ko-KR" altLang="en-US" smtClean="0"/>
               <a:pPr/>
-              <a:t>2021-10-07</a:t>
+              <a:t>2021-10-12</a:t>
             </a:fld>
             <a:endParaRPr lang="ko-KR" altLang="en-US"/>
           </a:p>
@@ -1214,7 +1299,7 @@
             <a:fld id="{7E0C1F19-02E5-426B-9835-3F89C5E12A32}" type="datetimeFigureOut">
               <a:rPr lang="ko-KR" altLang="en-US" smtClean="0"/>
               <a:pPr/>
-              <a:t>2021-10-07</a:t>
+              <a:t>2021-10-12</a:t>
             </a:fld>
             <a:endParaRPr lang="ko-KR" altLang="en-US"/>
           </a:p>
@@ -1750,7 +1835,7 @@
             <a:fld id="{7E0C1F19-02E5-426B-9835-3F89C5E12A32}" type="datetimeFigureOut">
               <a:rPr lang="ko-KR" altLang="en-US" smtClean="0"/>
               <a:pPr/>
-              <a:t>2021-10-07</a:t>
+              <a:t>2021-10-12</a:t>
             </a:fld>
             <a:endParaRPr lang="ko-KR" altLang="en-US"/>
           </a:p>
@@ -1992,7 +2077,7 @@
             <a:fld id="{7E0C1F19-02E5-426B-9835-3F89C5E12A32}" type="datetimeFigureOut">
               <a:rPr lang="ko-KR" altLang="en-US" smtClean="0"/>
               <a:pPr/>
-              <a:t>2021-10-07</a:t>
+              <a:t>2021-10-12</a:t>
             </a:fld>
             <a:endParaRPr lang="ko-KR" altLang="en-US"/>
           </a:p>
@@ -2274,7 +2359,7 @@
             <a:fld id="{7E0C1F19-02E5-426B-9835-3F89C5E12A32}" type="datetimeFigureOut">
               <a:rPr lang="ko-KR" altLang="en-US" smtClean="0"/>
               <a:pPr/>
-              <a:t>2021-10-07</a:t>
+              <a:t>2021-10-12</a:t>
             </a:fld>
             <a:endParaRPr lang="ko-KR" altLang="en-US"/>
           </a:p>
@@ -2690,7 +2775,7 @@
             <a:fld id="{7E0C1F19-02E5-426B-9835-3F89C5E12A32}" type="datetimeFigureOut">
               <a:rPr lang="ko-KR" altLang="en-US" smtClean="0"/>
               <a:pPr/>
-              <a:t>2021-10-07</a:t>
+              <a:t>2021-10-12</a:t>
             </a:fld>
             <a:endParaRPr lang="ko-KR" altLang="en-US"/>
           </a:p>
@@ -2804,7 +2889,7 @@
             <a:fld id="{7E0C1F19-02E5-426B-9835-3F89C5E12A32}" type="datetimeFigureOut">
               <a:rPr lang="ko-KR" altLang="en-US" smtClean="0"/>
               <a:pPr/>
-              <a:t>2021-10-07</a:t>
+              <a:t>2021-10-12</a:t>
             </a:fld>
             <a:endParaRPr lang="ko-KR" altLang="en-US"/>
           </a:p>
@@ -2896,7 +2981,7 @@
             <a:fld id="{7E0C1F19-02E5-426B-9835-3F89C5E12A32}" type="datetimeFigureOut">
               <a:rPr lang="ko-KR" altLang="en-US" smtClean="0"/>
               <a:pPr/>
-              <a:t>2021-10-07</a:t>
+              <a:t>2021-10-12</a:t>
             </a:fld>
             <a:endParaRPr lang="ko-KR" altLang="en-US"/>
           </a:p>
@@ -3168,7 +3253,7 @@
             <a:fld id="{7E0C1F19-02E5-426B-9835-3F89C5E12A32}" type="datetimeFigureOut">
               <a:rPr lang="ko-KR" altLang="en-US" smtClean="0"/>
               <a:pPr/>
-              <a:t>2021-10-07</a:t>
+              <a:t>2021-10-12</a:t>
             </a:fld>
             <a:endParaRPr lang="ko-KR" altLang="en-US"/>
           </a:p>
@@ -3417,7 +3502,7 @@
             <a:fld id="{7E0C1F19-02E5-426B-9835-3F89C5E12A32}" type="datetimeFigureOut">
               <a:rPr lang="ko-KR" altLang="en-US" smtClean="0"/>
               <a:pPr/>
-              <a:t>2021-10-07</a:t>
+              <a:t>2021-10-12</a:t>
             </a:fld>
             <a:endParaRPr lang="ko-KR" altLang="en-US"/>
           </a:p>
@@ -3625,7 +3710,7 @@
             <a:fld id="{7E0C1F19-02E5-426B-9835-3F89C5E12A32}" type="datetimeFigureOut">
               <a:rPr lang="ko-KR" altLang="en-US" smtClean="0"/>
               <a:pPr/>
-              <a:t>2021-10-07</a:t>
+              <a:t>2021-10-12</a:t>
             </a:fld>
             <a:endParaRPr lang="ko-KR" altLang="en-US"/>
           </a:p>
@@ -4473,8 +4558,12 @@
           <a:lstStyle/>
           <a:p>
             <a:r>
-              <a:rPr lang="en-US" altLang="ko-KR" dirty="0" smtClean="0"/>
-              <a:t>Service Registry</a:t>
+              <a:rPr lang="en-US" altLang="ko-KR" smtClean="0"/>
+              <a:t>Service </a:t>
+            </a:r>
+            <a:r>
+              <a:rPr lang="en-US" altLang="ko-KR" smtClean="0"/>
+              <a:t>Registry</a:t>
             </a:r>
             <a:endParaRPr lang="ko-KR" altLang="en-US" dirty="0"/>
           </a:p>
@@ -5954,7 +6043,7 @@
           <p:nvPr/>
         </p:nvPicPr>
         <p:blipFill>
-          <a:blip r:embed="rId2"/>
+          <a:blip r:embed="rId3"/>
           <a:stretch>
             <a:fillRect/>
           </a:stretch>
